--- a/PPT/DSP 4주차 세미나.pptx
+++ b/PPT/DSP 4주차 세미나.pptx
@@ -5,7 +5,7 @@
     <p:sldMasterId id="2147483648" r:id="rId1"/>
   </p:sldMasterIdLst>
   <p:notesMasterIdLst>
-    <p:notesMasterId r:id="rId13"/>
+    <p:notesMasterId r:id="rId12"/>
   </p:notesMasterIdLst>
   <p:sldIdLst>
     <p:sldId id="256" r:id="rId2"/>
@@ -17,8 +17,7 @@
     <p:sldId id="359" r:id="rId8"/>
     <p:sldId id="360" r:id="rId9"/>
     <p:sldId id="361" r:id="rId10"/>
-    <p:sldId id="347" r:id="rId11"/>
-    <p:sldId id="328" r:id="rId12"/>
+    <p:sldId id="328" r:id="rId11"/>
   </p:sldIdLst>
   <p:sldSz cx="12192000" cy="6858000"/>
   <p:notesSz cx="6858000" cy="9144000"/>
@@ -210,7 +209,7 @@
           <a:p>
             <a:fld id="{C65D868B-9953-471B-A241-5B8FFD936FE2}" type="datetimeFigureOut">
               <a:rPr lang="ko-KR" altLang="en-US" smtClean="0"/>
-              <a:t>2020. 8. 18.</a:t>
+              <a:t>2020. 8. 19.</a:t>
             </a:fld>
             <a:endParaRPr lang="ko-KR" altLang="en-US"/>
           </a:p>
@@ -561,90 +560,6 @@
 </p:notes>
 </file>
 
-<file path=ppt/notesSlides/notesSlide10.xml><?xml version="1.0" encoding="utf-8"?>
-<p:notes xmlns:a="http://schemas.openxmlformats.org/drawingml/2006/main" xmlns:r="http://schemas.openxmlformats.org/officeDocument/2006/relationships" xmlns:p="http://schemas.openxmlformats.org/presentationml/2006/main">
-  <p:cSld>
-    <p:spTree>
-      <p:nvGrpSpPr>
-        <p:cNvPr id="1" name=""/>
-        <p:cNvGrpSpPr/>
-        <p:nvPr/>
-      </p:nvGrpSpPr>
-      <p:grpSpPr>
-        <a:xfrm>
-          <a:off x="0" y="0"/>
-          <a:ext cx="0" cy="0"/>
-          <a:chOff x="0" y="0"/>
-          <a:chExt cx="0" cy="0"/>
-        </a:xfrm>
-      </p:grpSpPr>
-      <p:sp>
-        <p:nvSpPr>
-          <p:cNvPr id="2" name="슬라이드 이미지 개체 틀 1"/>
-          <p:cNvSpPr>
-            <a:spLocks noGrp="1" noRot="1" noChangeAspect="1"/>
-          </p:cNvSpPr>
-          <p:nvPr>
-            <p:ph type="sldImg"/>
-          </p:nvPr>
-        </p:nvSpPr>
-        <p:spPr/>
-      </p:sp>
-      <p:sp>
-        <p:nvSpPr>
-          <p:cNvPr id="3" name="슬라이드 노트 개체 틀 2"/>
-          <p:cNvSpPr>
-            <a:spLocks noGrp="1"/>
-          </p:cNvSpPr>
-          <p:nvPr>
-            <p:ph type="body" idx="1"/>
-          </p:nvPr>
-        </p:nvSpPr>
-        <p:spPr/>
-        <p:txBody>
-          <a:bodyPr/>
-          <a:lstStyle/>
-          <a:p>
-            <a:endParaRPr kumimoji="1" lang="ko-Kore-KR" altLang="en-US"/>
-          </a:p>
-        </p:txBody>
-      </p:sp>
-      <p:sp>
-        <p:nvSpPr>
-          <p:cNvPr id="4" name="슬라이드 번호 개체 틀 3"/>
-          <p:cNvSpPr>
-            <a:spLocks noGrp="1"/>
-          </p:cNvSpPr>
-          <p:nvPr>
-            <p:ph type="sldNum" sz="quarter" idx="5"/>
-          </p:nvPr>
-        </p:nvSpPr>
-        <p:spPr/>
-        <p:txBody>
-          <a:bodyPr/>
-          <a:lstStyle/>
-          <a:p>
-            <a:fld id="{346D3E17-7D67-40EA-BACC-2F87BD4AC243}" type="slidenum">
-              <a:rPr lang="ko-KR" altLang="en-US" smtClean="0"/>
-              <a:t>10</a:t>
-            </a:fld>
-            <a:endParaRPr lang="ko-KR" altLang="en-US"/>
-          </a:p>
-        </p:txBody>
-      </p:sp>
-    </p:spTree>
-    <p:extLst>
-      <p:ext uri="{BB962C8B-B14F-4D97-AF65-F5344CB8AC3E}">
-        <p14:creationId xmlns:p14="http://schemas.microsoft.com/office/powerpoint/2010/main" val="3603692238"/>
-      </p:ext>
-    </p:extLst>
-  </p:cSld>
-  <p:clrMapOvr>
-    <a:masterClrMapping/>
-  </p:clrMapOvr>
-</p:notes>
-</file>
-
 <file path=ppt/notesSlides/notesSlide2.xml><?xml version="1.0" encoding="utf-8"?>
 <p:notes xmlns:a="http://schemas.openxmlformats.org/drawingml/2006/main" xmlns:r="http://schemas.openxmlformats.org/officeDocument/2006/relationships" xmlns:p="http://schemas.openxmlformats.org/presentationml/2006/main">
   <p:cSld>
@@ -1464,7 +1379,7 @@
           <a:p>
             <a:fld id="{24BD2838-8963-4846-8916-FD2F6691A66F}" type="datetimeFigureOut">
               <a:rPr lang="ko-KR" altLang="en-US" smtClean="0"/>
-              <a:t>2020. 8. 18.</a:t>
+              <a:t>2020. 8. 19.</a:t>
             </a:fld>
             <a:endParaRPr lang="ko-KR" altLang="en-US"/>
           </a:p>
@@ -1662,7 +1577,7 @@
           <a:p>
             <a:fld id="{24BD2838-8963-4846-8916-FD2F6691A66F}" type="datetimeFigureOut">
               <a:rPr lang="ko-KR" altLang="en-US" smtClean="0"/>
-              <a:t>2020. 8. 18.</a:t>
+              <a:t>2020. 8. 19.</a:t>
             </a:fld>
             <a:endParaRPr lang="ko-KR" altLang="en-US"/>
           </a:p>
@@ -1870,7 +1785,7 @@
           <a:p>
             <a:fld id="{24BD2838-8963-4846-8916-FD2F6691A66F}" type="datetimeFigureOut">
               <a:rPr lang="ko-KR" altLang="en-US" smtClean="0"/>
-              <a:t>2020. 8. 18.</a:t>
+              <a:t>2020. 8. 19.</a:t>
             </a:fld>
             <a:endParaRPr lang="ko-KR" altLang="en-US"/>
           </a:p>
@@ -2068,7 +1983,7 @@
           <a:p>
             <a:fld id="{24BD2838-8963-4846-8916-FD2F6691A66F}" type="datetimeFigureOut">
               <a:rPr lang="ko-KR" altLang="en-US" smtClean="0"/>
-              <a:t>2020. 8. 18.</a:t>
+              <a:t>2020. 8. 19.</a:t>
             </a:fld>
             <a:endParaRPr lang="ko-KR" altLang="en-US"/>
           </a:p>
@@ -2343,7 +2258,7 @@
           <a:p>
             <a:fld id="{24BD2838-8963-4846-8916-FD2F6691A66F}" type="datetimeFigureOut">
               <a:rPr lang="ko-KR" altLang="en-US" smtClean="0"/>
-              <a:t>2020. 8. 18.</a:t>
+              <a:t>2020. 8. 19.</a:t>
             </a:fld>
             <a:endParaRPr lang="ko-KR" altLang="en-US"/>
           </a:p>
@@ -2608,7 +2523,7 @@
           <a:p>
             <a:fld id="{24BD2838-8963-4846-8916-FD2F6691A66F}" type="datetimeFigureOut">
               <a:rPr lang="ko-KR" altLang="en-US" smtClean="0"/>
-              <a:t>2020. 8. 18.</a:t>
+              <a:t>2020. 8. 19.</a:t>
             </a:fld>
             <a:endParaRPr lang="ko-KR" altLang="en-US"/>
           </a:p>
@@ -3020,7 +2935,7 @@
           <a:p>
             <a:fld id="{24BD2838-8963-4846-8916-FD2F6691A66F}" type="datetimeFigureOut">
               <a:rPr lang="ko-KR" altLang="en-US" smtClean="0"/>
-              <a:t>2020. 8. 18.</a:t>
+              <a:t>2020. 8. 19.</a:t>
             </a:fld>
             <a:endParaRPr lang="ko-KR" altLang="en-US"/>
           </a:p>
@@ -3161,7 +3076,7 @@
           <a:p>
             <a:fld id="{24BD2838-8963-4846-8916-FD2F6691A66F}" type="datetimeFigureOut">
               <a:rPr lang="ko-KR" altLang="en-US" smtClean="0"/>
-              <a:t>2020. 8. 18.</a:t>
+              <a:t>2020. 8. 19.</a:t>
             </a:fld>
             <a:endParaRPr lang="ko-KR" altLang="en-US"/>
           </a:p>
@@ -3274,7 +3189,7 @@
           <a:p>
             <a:fld id="{24BD2838-8963-4846-8916-FD2F6691A66F}" type="datetimeFigureOut">
               <a:rPr lang="ko-KR" altLang="en-US" smtClean="0"/>
-              <a:t>2020. 8. 18.</a:t>
+              <a:t>2020. 8. 19.</a:t>
             </a:fld>
             <a:endParaRPr lang="ko-KR" altLang="en-US"/>
           </a:p>
@@ -3585,7 +3500,7 @@
           <a:p>
             <a:fld id="{24BD2838-8963-4846-8916-FD2F6691A66F}" type="datetimeFigureOut">
               <a:rPr lang="ko-KR" altLang="en-US" smtClean="0"/>
-              <a:t>2020. 8. 18.</a:t>
+              <a:t>2020. 8. 19.</a:t>
             </a:fld>
             <a:endParaRPr lang="ko-KR" altLang="en-US"/>
           </a:p>
@@ -3873,7 +3788,7 @@
           <a:p>
             <a:fld id="{24BD2838-8963-4846-8916-FD2F6691A66F}" type="datetimeFigureOut">
               <a:rPr lang="ko-KR" altLang="en-US" smtClean="0"/>
-              <a:t>2020. 8. 18.</a:t>
+              <a:t>2020. 8. 19.</a:t>
             </a:fld>
             <a:endParaRPr lang="ko-KR" altLang="en-US"/>
           </a:p>
@@ -4114,7 +4029,7 @@
           <a:p>
             <a:fld id="{24BD2838-8963-4846-8916-FD2F6691A66F}" type="datetimeFigureOut">
               <a:rPr lang="ko-KR" altLang="en-US" smtClean="0"/>
-              <a:t>2020. 8. 18.</a:t>
+              <a:t>2020. 8. 19.</a:t>
             </a:fld>
             <a:endParaRPr lang="ko-KR" altLang="en-US"/>
           </a:p>
@@ -4669,1332 +4584,6 @@
 </file>
 
 <file path=ppt/slides/slide10.xml><?xml version="1.0" encoding="utf-8"?>
-<p:sld xmlns:a="http://schemas.openxmlformats.org/drawingml/2006/main" xmlns:r="http://schemas.openxmlformats.org/officeDocument/2006/relationships" xmlns:p="http://schemas.openxmlformats.org/presentationml/2006/main">
-  <p:cSld>
-    <p:spTree>
-      <p:nvGrpSpPr>
-        <p:cNvPr id="1" name=""/>
-        <p:cNvGrpSpPr/>
-        <p:nvPr/>
-      </p:nvGrpSpPr>
-      <p:grpSpPr>
-        <a:xfrm>
-          <a:off x="0" y="0"/>
-          <a:ext cx="0" cy="0"/>
-          <a:chOff x="0" y="0"/>
-          <a:chExt cx="0" cy="0"/>
-        </a:xfrm>
-      </p:grpSpPr>
-      <p:grpSp>
-        <p:nvGrpSpPr>
-          <p:cNvPr id="13" name="그룹 12">
-            <a:extLst>
-              <a:ext uri="{FF2B5EF4-FFF2-40B4-BE49-F238E27FC236}">
-                <a16:creationId xmlns:a16="http://schemas.microsoft.com/office/drawing/2014/main" id="{85611818-A71D-46D2-8A90-5FD18E36312C}"/>
-              </a:ext>
-            </a:extLst>
-          </p:cNvPr>
-          <p:cNvGrpSpPr/>
-          <p:nvPr/>
-        </p:nvGrpSpPr>
-        <p:grpSpPr>
-          <a:xfrm>
-            <a:off x="792480" y="569267"/>
-            <a:ext cx="1279140" cy="461665"/>
-            <a:chOff x="701040" y="482907"/>
-            <a:chExt cx="1279140" cy="461665"/>
-          </a:xfrm>
-        </p:grpSpPr>
-        <p:sp>
-          <p:nvSpPr>
-            <p:cNvPr id="4" name="직사각형 3">
-              <a:extLst>
-                <a:ext uri="{FF2B5EF4-FFF2-40B4-BE49-F238E27FC236}">
-                  <a16:creationId xmlns:a16="http://schemas.microsoft.com/office/drawing/2014/main" id="{8E1D1497-18F5-42C6-B4C3-8E8FC808634C}"/>
-                </a:ext>
-              </a:extLst>
-            </p:cNvPr>
-            <p:cNvSpPr/>
-            <p:nvPr/>
-          </p:nvSpPr>
-          <p:spPr>
-            <a:xfrm>
-              <a:off x="701040" y="482907"/>
-              <a:ext cx="152400" cy="461665"/>
-            </a:xfrm>
-            <a:prstGeom prst="rect">
-              <a:avLst/>
-            </a:prstGeom>
-            <a:solidFill>
-              <a:schemeClr val="accent1">
-                <a:lumMod val="75000"/>
-              </a:schemeClr>
-            </a:solidFill>
-            <a:ln>
-              <a:noFill/>
-            </a:ln>
-          </p:spPr>
-          <p:style>
-            <a:lnRef idx="2">
-              <a:schemeClr val="accent1">
-                <a:shade val="50000"/>
-              </a:schemeClr>
-            </a:lnRef>
-            <a:fillRef idx="1">
-              <a:schemeClr val="accent1"/>
-            </a:fillRef>
-            <a:effectRef idx="0">
-              <a:schemeClr val="accent1"/>
-            </a:effectRef>
-            <a:fontRef idx="minor">
-              <a:schemeClr val="lt1"/>
-            </a:fontRef>
-          </p:style>
-          <p:txBody>
-            <a:bodyPr rtlCol="0" anchor="ctr"/>
-            <a:lstStyle/>
-            <a:p>
-              <a:pPr algn="ctr"/>
-              <a:endParaRPr lang="ko-KR" altLang="en-US">
-                <a:solidFill>
-                  <a:schemeClr val="accent1">
-                    <a:lumMod val="75000"/>
-                  </a:schemeClr>
-                </a:solidFill>
-              </a:endParaRPr>
-            </a:p>
-          </p:txBody>
-        </p:sp>
-        <p:sp>
-          <p:nvSpPr>
-            <p:cNvPr id="6" name="TextBox 5">
-              <a:extLst>
-                <a:ext uri="{FF2B5EF4-FFF2-40B4-BE49-F238E27FC236}">
-                  <a16:creationId xmlns:a16="http://schemas.microsoft.com/office/drawing/2014/main" id="{754DAFE3-AE7D-414F-8322-9C0DF39D1331}"/>
-                </a:ext>
-              </a:extLst>
-            </p:cNvPr>
-            <p:cNvSpPr txBox="1"/>
-            <p:nvPr/>
-          </p:nvSpPr>
-          <p:spPr>
-            <a:xfrm>
-              <a:off x="853440" y="482907"/>
-              <a:ext cx="537327" cy="461665"/>
-            </a:xfrm>
-            <a:prstGeom prst="rect">
-              <a:avLst/>
-            </a:prstGeom>
-            <a:noFill/>
-          </p:spPr>
-          <p:txBody>
-            <a:bodyPr wrap="none" rtlCol="0">
-              <a:spAutoFit/>
-            </a:bodyPr>
-            <a:lstStyle/>
-            <a:p>
-              <a:r>
-                <a:rPr lang="en-US" altLang="ko-KR" sz="2400" b="1" dirty="0">
-                  <a:solidFill>
-                    <a:schemeClr val="accent1">
-                      <a:lumMod val="75000"/>
-                    </a:schemeClr>
-                  </a:solidFill>
-                  <a:latin typeface="Gadugi" panose="020B0502040204020203" pitchFamily="34" charset="0"/>
-                  <a:ea typeface="Gadugi" panose="020B0502040204020203" pitchFamily="34" charset="0"/>
-                </a:rPr>
-                <a:t>04</a:t>
-              </a:r>
-              <a:endParaRPr lang="ko-KR" altLang="en-US" b="1" dirty="0">
-                <a:solidFill>
-                  <a:schemeClr val="accent1">
-                    <a:lumMod val="75000"/>
-                  </a:schemeClr>
-                </a:solidFill>
-                <a:latin typeface="Gadugi" panose="020B0502040204020203" pitchFamily="34" charset="0"/>
-              </a:endParaRPr>
-            </a:p>
-          </p:txBody>
-        </p:sp>
-        <p:sp>
-          <p:nvSpPr>
-            <p:cNvPr id="7" name="TextBox 6">
-              <a:extLst>
-                <a:ext uri="{FF2B5EF4-FFF2-40B4-BE49-F238E27FC236}">
-                  <a16:creationId xmlns:a16="http://schemas.microsoft.com/office/drawing/2014/main" id="{5BA320B9-CD48-49A3-9441-1B0DE7735C0A}"/>
-                </a:ext>
-              </a:extLst>
-            </p:cNvPr>
-            <p:cNvSpPr txBox="1"/>
-            <p:nvPr/>
-          </p:nvSpPr>
-          <p:spPr>
-            <a:xfrm>
-              <a:off x="1264920" y="544462"/>
-              <a:ext cx="715260" cy="338554"/>
-            </a:xfrm>
-            <a:prstGeom prst="rect">
-              <a:avLst/>
-            </a:prstGeom>
-            <a:noFill/>
-          </p:spPr>
-          <p:txBody>
-            <a:bodyPr wrap="none" rtlCol="0">
-              <a:spAutoFit/>
-            </a:bodyPr>
-            <a:lstStyle/>
-            <a:p>
-              <a:r>
-                <a:rPr lang="en-US" altLang="ko-KR" sz="1600" dirty="0">
-                  <a:solidFill>
-                    <a:schemeClr val="accent1">
-                      <a:lumMod val="75000"/>
-                    </a:schemeClr>
-                  </a:solidFill>
-                  <a:latin typeface="+mn-ea"/>
-                </a:rPr>
-                <a:t>Noise</a:t>
-              </a:r>
-              <a:endParaRPr lang="ko-KR" altLang="en-US" sz="1600" dirty="0">
-                <a:solidFill>
-                  <a:schemeClr val="accent1">
-                    <a:lumMod val="75000"/>
-                  </a:schemeClr>
-                </a:solidFill>
-                <a:latin typeface="+mn-ea"/>
-              </a:endParaRPr>
-            </a:p>
-          </p:txBody>
-        </p:sp>
-      </p:grpSp>
-      <p:pic>
-        <p:nvPicPr>
-          <p:cNvPr id="18" name="그림 17">
-            <a:extLst>
-              <a:ext uri="{FF2B5EF4-FFF2-40B4-BE49-F238E27FC236}">
-                <a16:creationId xmlns:a16="http://schemas.microsoft.com/office/drawing/2014/main" id="{9B1B0BEB-AFDA-4717-BFF3-0A55D476B5FE}"/>
-              </a:ext>
-            </a:extLst>
-          </p:cNvPr>
-          <p:cNvPicPr>
-            <a:picLocks noChangeAspect="1"/>
-          </p:cNvPicPr>
-          <p:nvPr/>
-        </p:nvPicPr>
-        <p:blipFill>
-          <a:blip r:embed="rId3"/>
-          <a:stretch>
-            <a:fillRect/>
-          </a:stretch>
-        </p:blipFill>
-        <p:spPr>
-          <a:xfrm>
-            <a:off x="10971687" y="253880"/>
-            <a:ext cx="855666" cy="403245"/>
-          </a:xfrm>
-          <a:prstGeom prst="rect">
-            <a:avLst/>
-          </a:prstGeom>
-        </p:spPr>
-      </p:pic>
-      <p:sp>
-        <p:nvSpPr>
-          <p:cNvPr id="9" name="TextBox 8">
-            <a:extLst>
-              <a:ext uri="{FF2B5EF4-FFF2-40B4-BE49-F238E27FC236}">
-                <a16:creationId xmlns:a16="http://schemas.microsoft.com/office/drawing/2014/main" id="{1C5950C7-C8A4-5B44-8F8E-F41ECA1E9125}"/>
-              </a:ext>
-            </a:extLst>
-          </p:cNvPr>
-          <p:cNvSpPr txBox="1"/>
-          <p:nvPr/>
-        </p:nvSpPr>
-        <p:spPr>
-          <a:xfrm>
-            <a:off x="809943" y="1754316"/>
-            <a:ext cx="10436126" cy="338554"/>
-          </a:xfrm>
-          <a:prstGeom prst="rect">
-            <a:avLst/>
-          </a:prstGeom>
-          <a:noFill/>
-        </p:spPr>
-        <p:txBody>
-          <a:bodyPr wrap="square" rtlCol="0">
-            <a:spAutoFit/>
-          </a:bodyPr>
-          <a:lstStyle/>
-          <a:p>
-            <a:r>
-              <a:rPr lang="en-US" altLang="ko-KR" sz="1600" dirty="0">
-                <a:solidFill>
-                  <a:schemeClr val="accent1">
-                    <a:lumMod val="75000"/>
-                  </a:schemeClr>
-                </a:solidFill>
-                <a:latin typeface="+mn-ea"/>
-              </a:rPr>
-              <a:t>Random ? </a:t>
-            </a:r>
-          </a:p>
-        </p:txBody>
-      </p:sp>
-      <p:sp>
-        <p:nvSpPr>
-          <p:cNvPr id="8" name="TextBox 7">
-            <a:extLst>
-              <a:ext uri="{FF2B5EF4-FFF2-40B4-BE49-F238E27FC236}">
-                <a16:creationId xmlns:a16="http://schemas.microsoft.com/office/drawing/2014/main" id="{114B128F-E9C1-5E42-8C72-88EC9FB9864E}"/>
-              </a:ext>
-            </a:extLst>
-          </p:cNvPr>
-          <p:cNvSpPr txBox="1"/>
-          <p:nvPr/>
-        </p:nvSpPr>
-        <p:spPr>
-          <a:xfrm>
-            <a:off x="792480" y="1354206"/>
-            <a:ext cx="1834798" cy="338554"/>
-          </a:xfrm>
-          <a:prstGeom prst="rect">
-            <a:avLst/>
-          </a:prstGeom>
-          <a:noFill/>
-        </p:spPr>
-        <p:txBody>
-          <a:bodyPr wrap="none" rtlCol="0">
-            <a:spAutoFit/>
-          </a:bodyPr>
-          <a:lstStyle/>
-          <a:p>
-            <a:r>
-              <a:rPr lang="en-US" altLang="ko-KR" sz="1600" b="1" dirty="0">
-                <a:solidFill>
-                  <a:schemeClr val="accent1">
-                    <a:lumMod val="75000"/>
-                  </a:schemeClr>
-                </a:solidFill>
-                <a:latin typeface="+mn-ea"/>
-              </a:rPr>
-              <a:t>Alternative noise</a:t>
-            </a:r>
-          </a:p>
-        </p:txBody>
-      </p:sp>
-      <p:sp>
-        <p:nvSpPr>
-          <p:cNvPr id="10" name="TextBox 9">
-            <a:extLst>
-              <a:ext uri="{FF2B5EF4-FFF2-40B4-BE49-F238E27FC236}">
-                <a16:creationId xmlns:a16="http://schemas.microsoft.com/office/drawing/2014/main" id="{D0793A84-E00F-444C-BFCF-B13246BAF8E9}"/>
-              </a:ext>
-            </a:extLst>
-          </p:cNvPr>
-          <p:cNvSpPr txBox="1"/>
-          <p:nvPr/>
-        </p:nvSpPr>
-        <p:spPr>
-          <a:xfrm>
-            <a:off x="2373927" y="5196018"/>
-            <a:ext cx="9453426" cy="1323439"/>
-          </a:xfrm>
-          <a:prstGeom prst="rect">
-            <a:avLst/>
-          </a:prstGeom>
-          <a:noFill/>
-        </p:spPr>
-        <p:txBody>
-          <a:bodyPr wrap="square" rtlCol="0">
-            <a:spAutoFit/>
-          </a:bodyPr>
-          <a:lstStyle/>
-          <a:p>
-            <a:r>
-              <a:rPr lang="en-US" altLang="ko-KR" sz="1600" dirty="0">
-                <a:solidFill>
-                  <a:schemeClr val="accent1">
-                    <a:lumMod val="75000"/>
-                  </a:schemeClr>
-                </a:solidFill>
-                <a:latin typeface="+mn-ea"/>
-              </a:rPr>
-              <a:t>Relationship:</a:t>
-            </a:r>
-            <a:r>
-              <a:rPr lang="ko-KR" altLang="en-US" sz="1600" dirty="0">
-                <a:solidFill>
-                  <a:schemeClr val="accent1">
-                    <a:lumMod val="75000"/>
-                  </a:schemeClr>
-                </a:solidFill>
-                <a:latin typeface="+mn-ea"/>
-              </a:rPr>
-              <a:t> </a:t>
-            </a:r>
-            <a:r>
-              <a:rPr lang="en-US" altLang="ko-KR" sz="1600" dirty="0">
-                <a:solidFill>
-                  <a:schemeClr val="accent1">
-                    <a:lumMod val="75000"/>
-                  </a:schemeClr>
-                </a:solidFill>
-                <a:latin typeface="+mn-ea"/>
-              </a:rPr>
-              <a:t>power</a:t>
-            </a:r>
-            <a:r>
-              <a:rPr lang="ko-KR" altLang="en-US" sz="1600" dirty="0">
-                <a:solidFill>
-                  <a:schemeClr val="accent1">
-                    <a:lumMod val="75000"/>
-                  </a:schemeClr>
-                </a:solidFill>
-                <a:latin typeface="+mn-ea"/>
-              </a:rPr>
-              <a:t>와 </a:t>
-            </a:r>
-            <a:r>
-              <a:rPr lang="en-US" altLang="ko-KR" sz="1600" dirty="0">
-                <a:solidFill>
-                  <a:schemeClr val="accent1">
-                    <a:lumMod val="75000"/>
-                  </a:schemeClr>
-                </a:solidFill>
-                <a:latin typeface="+mn-ea"/>
-              </a:rPr>
-              <a:t>frequency</a:t>
-            </a:r>
-            <a:r>
-              <a:rPr lang="ko-KR" altLang="en-US" sz="1600" dirty="0">
-                <a:solidFill>
-                  <a:schemeClr val="accent1">
-                    <a:lumMod val="75000"/>
-                  </a:schemeClr>
-                </a:solidFill>
-                <a:latin typeface="+mn-ea"/>
-              </a:rPr>
-              <a:t>의 관계</a:t>
-            </a:r>
-            <a:endParaRPr lang="en-US" altLang="ko-KR" sz="1600" dirty="0">
-              <a:solidFill>
-                <a:schemeClr val="accent1">
-                  <a:lumMod val="75000"/>
-                </a:schemeClr>
-              </a:solidFill>
-              <a:latin typeface="+mn-ea"/>
-            </a:endParaRPr>
-          </a:p>
-          <a:p>
-            <a:r>
-              <a:rPr lang="en-US" altLang="ko-KR" sz="1600" dirty="0">
-                <a:solidFill>
-                  <a:schemeClr val="accent1">
-                    <a:lumMod val="75000"/>
-                  </a:schemeClr>
-                </a:solidFill>
-                <a:latin typeface="+mn-ea"/>
-              </a:rPr>
-              <a:t>UU noise: </a:t>
-            </a:r>
-            <a:r>
-              <a:rPr lang="ko-KR" altLang="en-US" sz="1600" dirty="0">
-                <a:solidFill>
-                  <a:schemeClr val="accent1">
-                    <a:lumMod val="75000"/>
-                  </a:schemeClr>
-                </a:solidFill>
-                <a:latin typeface="+mn-ea"/>
-              </a:rPr>
-              <a:t>모든 주파수의 </a:t>
-            </a:r>
-            <a:r>
-              <a:rPr lang="en-US" altLang="ko-KR" sz="1600" dirty="0">
-                <a:solidFill>
-                  <a:schemeClr val="accent1">
-                    <a:lumMod val="75000"/>
-                  </a:schemeClr>
-                </a:solidFill>
-                <a:latin typeface="+mn-ea"/>
-              </a:rPr>
-              <a:t>power</a:t>
-            </a:r>
-            <a:r>
-              <a:rPr lang="ko-KR" altLang="en-US" sz="1600" dirty="0">
-                <a:solidFill>
-                  <a:schemeClr val="accent1">
-                    <a:lumMod val="75000"/>
-                  </a:schemeClr>
-                </a:solidFill>
-                <a:latin typeface="+mn-ea"/>
-              </a:rPr>
-              <a:t>는 동일한 분포로 그려진다</a:t>
-            </a:r>
-            <a:r>
-              <a:rPr lang="en-US" altLang="ko-KR" sz="1600" dirty="0">
-                <a:solidFill>
-                  <a:schemeClr val="accent1">
-                    <a:lumMod val="75000"/>
-                  </a:schemeClr>
-                </a:solidFill>
-                <a:latin typeface="+mn-ea"/>
-              </a:rPr>
-              <a:t>.</a:t>
-            </a:r>
-            <a:r>
-              <a:rPr lang="ko-KR" altLang="en-US" sz="1600" dirty="0">
-                <a:solidFill>
-                  <a:schemeClr val="accent1">
-                    <a:lumMod val="75000"/>
-                  </a:schemeClr>
-                </a:solidFill>
-                <a:latin typeface="+mn-ea"/>
-              </a:rPr>
-              <a:t> </a:t>
-            </a:r>
-            <a:r>
-              <a:rPr lang="en-US" altLang="ko-KR" sz="1600" dirty="0">
-                <a:solidFill>
-                  <a:schemeClr val="accent1">
-                    <a:lumMod val="75000"/>
-                  </a:schemeClr>
-                </a:solidFill>
-                <a:latin typeface="+mn-ea"/>
-              </a:rPr>
-              <a:t>-&gt;</a:t>
-            </a:r>
-            <a:r>
-              <a:rPr lang="ko-KR" altLang="en-US" sz="1600" dirty="0">
-                <a:solidFill>
-                  <a:schemeClr val="accent1">
-                    <a:lumMod val="75000"/>
-                  </a:schemeClr>
-                </a:solidFill>
-                <a:latin typeface="+mn-ea"/>
-              </a:rPr>
-              <a:t> </a:t>
-            </a:r>
-            <a:r>
-              <a:rPr lang="en-US" altLang="ko-KR" sz="1600" dirty="0">
-                <a:solidFill>
-                  <a:schemeClr val="accent1">
-                    <a:lumMod val="75000"/>
-                  </a:schemeClr>
-                </a:solidFill>
-                <a:latin typeface="+mn-ea"/>
-              </a:rPr>
-              <a:t>power</a:t>
-            </a:r>
-            <a:r>
-              <a:rPr lang="ko-KR" altLang="en-US" sz="1600" dirty="0">
-                <a:solidFill>
-                  <a:schemeClr val="accent1">
-                    <a:lumMod val="75000"/>
-                  </a:schemeClr>
-                </a:solidFill>
-                <a:latin typeface="+mn-ea"/>
-              </a:rPr>
-              <a:t>의 평균 </a:t>
-            </a:r>
-            <a:r>
-              <a:rPr lang="en-US" altLang="ko-KR" sz="1600" dirty="0">
-                <a:solidFill>
-                  <a:schemeClr val="accent1">
-                    <a:lumMod val="75000"/>
-                  </a:schemeClr>
-                </a:solidFill>
-                <a:latin typeface="+mn-ea"/>
-              </a:rPr>
-              <a:t>:</a:t>
-            </a:r>
-            <a:r>
-              <a:rPr lang="ko-KR" altLang="en-US" sz="1600" dirty="0">
-                <a:solidFill>
-                  <a:schemeClr val="accent1">
-                    <a:lumMod val="75000"/>
-                  </a:schemeClr>
-                </a:solidFill>
-                <a:latin typeface="+mn-ea"/>
-              </a:rPr>
-              <a:t> 모든 주파수에서 동일하다</a:t>
-            </a:r>
-            <a:r>
-              <a:rPr lang="en-US" altLang="ko-KR" sz="1600" dirty="0">
-                <a:solidFill>
-                  <a:schemeClr val="accent1">
-                    <a:lumMod val="75000"/>
-                  </a:schemeClr>
-                </a:solidFill>
-                <a:latin typeface="+mn-ea"/>
-              </a:rPr>
-              <a:t>.</a:t>
-            </a:r>
-          </a:p>
-          <a:p>
-            <a:r>
-              <a:rPr lang="en-US" altLang="ko-KR" sz="1600" dirty="0">
-                <a:solidFill>
-                  <a:schemeClr val="accent1">
-                    <a:lumMod val="75000"/>
-                  </a:schemeClr>
-                </a:solidFill>
-                <a:latin typeface="+mn-ea"/>
-              </a:rPr>
-              <a:t>Pink</a:t>
-            </a:r>
-            <a:r>
-              <a:rPr lang="ko-KR" altLang="en-US" sz="1600" dirty="0">
-                <a:solidFill>
-                  <a:schemeClr val="accent1">
-                    <a:lumMod val="75000"/>
-                  </a:schemeClr>
-                </a:solidFill>
-                <a:latin typeface="+mn-ea"/>
-              </a:rPr>
-              <a:t> </a:t>
-            </a:r>
-            <a:r>
-              <a:rPr lang="en-US" altLang="ko-KR" sz="1600" dirty="0">
-                <a:solidFill>
-                  <a:schemeClr val="accent1">
-                    <a:lumMod val="75000"/>
-                  </a:schemeClr>
-                </a:solidFill>
-                <a:latin typeface="+mn-ea"/>
-              </a:rPr>
-              <a:t>noise:</a:t>
-            </a:r>
-            <a:r>
-              <a:rPr lang="ko-KR" altLang="en-US" sz="1600" dirty="0">
-                <a:solidFill>
-                  <a:schemeClr val="accent1">
-                    <a:lumMod val="75000"/>
-                  </a:schemeClr>
-                </a:solidFill>
-                <a:latin typeface="+mn-ea"/>
-              </a:rPr>
-              <a:t> </a:t>
-            </a:r>
-            <a:r>
-              <a:rPr lang="en-US" altLang="ko-KR" sz="1600" dirty="0">
-                <a:solidFill>
-                  <a:schemeClr val="accent1">
-                    <a:lumMod val="75000"/>
-                  </a:schemeClr>
-                </a:solidFill>
-                <a:latin typeface="+mn-ea"/>
-              </a:rPr>
-              <a:t>power</a:t>
-            </a:r>
-            <a:r>
-              <a:rPr lang="ko-KR" altLang="en-US" sz="1600" dirty="0">
-                <a:solidFill>
-                  <a:schemeClr val="accent1">
-                    <a:lumMod val="75000"/>
-                  </a:schemeClr>
-                </a:solidFill>
-                <a:latin typeface="+mn-ea"/>
-              </a:rPr>
-              <a:t>와 주파수는 역의 관계를 가진다</a:t>
-            </a:r>
-            <a:r>
-              <a:rPr lang="en-US" altLang="ko-KR" sz="1600" dirty="0">
-                <a:solidFill>
-                  <a:schemeClr val="accent1">
-                    <a:lumMod val="75000"/>
-                  </a:schemeClr>
-                </a:solidFill>
-                <a:latin typeface="+mn-ea"/>
-              </a:rPr>
-              <a:t>.</a:t>
-            </a:r>
-          </a:p>
-          <a:p>
-            <a:endParaRPr lang="en-US" altLang="ko-KR" sz="1600" dirty="0">
-              <a:solidFill>
-                <a:schemeClr val="accent1">
-                  <a:lumMod val="75000"/>
-                </a:schemeClr>
-              </a:solidFill>
-              <a:latin typeface="+mn-ea"/>
-            </a:endParaRPr>
-          </a:p>
-        </p:txBody>
-      </p:sp>
-      <p:sp>
-        <p:nvSpPr>
-          <p:cNvPr id="11" name="TextBox 10">
-            <a:extLst>
-              <a:ext uri="{FF2B5EF4-FFF2-40B4-BE49-F238E27FC236}">
-                <a16:creationId xmlns:a16="http://schemas.microsoft.com/office/drawing/2014/main" id="{8A1DD7AC-962C-C846-BE9B-8671206F8257}"/>
-              </a:ext>
-            </a:extLst>
-          </p:cNvPr>
-          <p:cNvSpPr txBox="1"/>
-          <p:nvPr/>
-        </p:nvSpPr>
-        <p:spPr>
-          <a:xfrm>
-            <a:off x="869010" y="2391245"/>
-            <a:ext cx="1331670" cy="692497"/>
-          </a:xfrm>
-          <a:prstGeom prst="rect">
-            <a:avLst/>
-          </a:prstGeom>
-          <a:noFill/>
-          <a:ln w="63500" cap="rnd">
-            <a:solidFill>
-              <a:srgbClr val="FF0000"/>
-            </a:solidFill>
-          </a:ln>
-        </p:spPr>
-        <p:txBody>
-          <a:bodyPr wrap="square" rtlCol="0">
-            <a:spAutoFit/>
-          </a:bodyPr>
-          <a:lstStyle/>
-          <a:p>
-            <a:pPr algn="ctr"/>
-            <a:endParaRPr kumimoji="1" lang="en-US" altLang="ko-Kore-KR" sz="1300" dirty="0"/>
-          </a:p>
-          <a:p>
-            <a:pPr algn="ctr"/>
-            <a:r>
-              <a:rPr kumimoji="1" lang="en-US" altLang="ko-Kore-KR" sz="1300" dirty="0"/>
-              <a:t>Distribution</a:t>
-            </a:r>
-          </a:p>
-          <a:p>
-            <a:pPr algn="ctr"/>
-            <a:endParaRPr kumimoji="1" lang="en-US" altLang="ko-Kore-KR" sz="1300" dirty="0"/>
-          </a:p>
-        </p:txBody>
-      </p:sp>
-      <p:sp>
-        <p:nvSpPr>
-          <p:cNvPr id="12" name="TextBox 11">
-            <a:extLst>
-              <a:ext uri="{FF2B5EF4-FFF2-40B4-BE49-F238E27FC236}">
-                <a16:creationId xmlns:a16="http://schemas.microsoft.com/office/drawing/2014/main" id="{A7CEB1F6-B267-2D41-B2A9-4125F5A88085}"/>
-              </a:ext>
-            </a:extLst>
-          </p:cNvPr>
-          <p:cNvSpPr txBox="1"/>
-          <p:nvPr/>
-        </p:nvSpPr>
-        <p:spPr>
-          <a:xfrm>
-            <a:off x="868680" y="3932645"/>
-            <a:ext cx="1332000" cy="692497"/>
-          </a:xfrm>
-          <a:prstGeom prst="rect">
-            <a:avLst/>
-          </a:prstGeom>
-          <a:noFill/>
-          <a:ln w="63500" cap="rnd">
-            <a:solidFill>
-              <a:schemeClr val="accent1"/>
-            </a:solidFill>
-          </a:ln>
-        </p:spPr>
-        <p:txBody>
-          <a:bodyPr wrap="square" rtlCol="0">
-            <a:spAutoFit/>
-          </a:bodyPr>
-          <a:lstStyle/>
-          <a:p>
-            <a:pPr algn="ctr"/>
-            <a:endParaRPr kumimoji="1" lang="en-US" altLang="ko-Kore-KR" sz="1300" dirty="0"/>
-          </a:p>
-          <a:p>
-            <a:pPr algn="ctr"/>
-            <a:r>
-              <a:rPr kumimoji="1" lang="en-US" altLang="ko-Kore-KR" sz="1300" dirty="0"/>
-              <a:t>Correlation</a:t>
-            </a:r>
-          </a:p>
-          <a:p>
-            <a:pPr algn="ctr"/>
-            <a:endParaRPr kumimoji="1" lang="en-US" altLang="ko-Kore-KR" sz="1300" dirty="0"/>
-          </a:p>
-        </p:txBody>
-      </p:sp>
-      <p:sp>
-        <p:nvSpPr>
-          <p:cNvPr id="14" name="TextBox 13">
-            <a:extLst>
-              <a:ext uri="{FF2B5EF4-FFF2-40B4-BE49-F238E27FC236}">
-                <a16:creationId xmlns:a16="http://schemas.microsoft.com/office/drawing/2014/main" id="{B951DCE5-22A1-6748-8D4D-5ECB9C57D4CD}"/>
-              </a:ext>
-            </a:extLst>
-          </p:cNvPr>
-          <p:cNvSpPr txBox="1"/>
-          <p:nvPr/>
-        </p:nvSpPr>
-        <p:spPr>
-          <a:xfrm>
-            <a:off x="868680" y="5326823"/>
-            <a:ext cx="1332000" cy="692497"/>
-          </a:xfrm>
-          <a:prstGeom prst="rect">
-            <a:avLst/>
-          </a:prstGeom>
-          <a:noFill/>
-          <a:ln w="63500" cap="rnd">
-            <a:solidFill>
-              <a:schemeClr val="accent6"/>
-            </a:solidFill>
-          </a:ln>
-        </p:spPr>
-        <p:txBody>
-          <a:bodyPr wrap="square" rtlCol="0">
-            <a:spAutoFit/>
-          </a:bodyPr>
-          <a:lstStyle/>
-          <a:p>
-            <a:pPr algn="ctr"/>
-            <a:endParaRPr kumimoji="1" lang="en-US" altLang="ko-Kore-KR" sz="1300" dirty="0"/>
-          </a:p>
-          <a:p>
-            <a:pPr algn="ctr"/>
-            <a:r>
-              <a:rPr kumimoji="1" lang="en-US" altLang="ko-Kore-KR" sz="1300" dirty="0" err="1"/>
-              <a:t>Realationship</a:t>
-            </a:r>
-            <a:endParaRPr kumimoji="1" lang="en-US" altLang="ko-Kore-KR" sz="1300" dirty="0"/>
-          </a:p>
-          <a:p>
-            <a:pPr algn="ctr"/>
-            <a:endParaRPr kumimoji="1" lang="en-US" altLang="ko-Kore-KR" sz="1300" dirty="0"/>
-          </a:p>
-        </p:txBody>
-      </p:sp>
-      <p:sp>
-        <p:nvSpPr>
-          <p:cNvPr id="16" name="TextBox 15">
-            <a:extLst>
-              <a:ext uri="{FF2B5EF4-FFF2-40B4-BE49-F238E27FC236}">
-                <a16:creationId xmlns:a16="http://schemas.microsoft.com/office/drawing/2014/main" id="{78927F80-77A3-E74C-9168-C7FCD164C360}"/>
-              </a:ext>
-            </a:extLst>
-          </p:cNvPr>
-          <p:cNvSpPr txBox="1"/>
-          <p:nvPr/>
-        </p:nvSpPr>
-        <p:spPr>
-          <a:xfrm>
-            <a:off x="2373927" y="2299467"/>
-            <a:ext cx="9453426" cy="1323439"/>
-          </a:xfrm>
-          <a:prstGeom prst="rect">
-            <a:avLst/>
-          </a:prstGeom>
-          <a:noFill/>
-        </p:spPr>
-        <p:txBody>
-          <a:bodyPr wrap="square" rtlCol="0">
-            <a:spAutoFit/>
-          </a:bodyPr>
-          <a:lstStyle/>
-          <a:p>
-            <a:r>
-              <a:rPr lang="en-US" altLang="ko-KR" sz="1600" dirty="0">
-                <a:solidFill>
-                  <a:schemeClr val="accent1">
-                    <a:lumMod val="75000"/>
-                  </a:schemeClr>
-                </a:solidFill>
-                <a:latin typeface="+mn-ea"/>
-              </a:rPr>
-              <a:t>Distribution:</a:t>
-            </a:r>
-            <a:r>
-              <a:rPr lang="ko-KR" altLang="en-US" sz="1600" dirty="0">
-                <a:solidFill>
-                  <a:schemeClr val="accent1">
-                    <a:lumMod val="75000"/>
-                  </a:schemeClr>
-                </a:solidFill>
-                <a:latin typeface="+mn-ea"/>
-              </a:rPr>
-              <a:t> 가능한 값들이 그들이 가능성이 어떻게 분배되어지는지 </a:t>
-            </a:r>
-            <a:r>
-              <a:rPr lang="en-US" altLang="ko-KR" sz="1600" dirty="0">
-                <a:solidFill>
-                  <a:schemeClr val="accent1">
-                    <a:lumMod val="75000"/>
-                  </a:schemeClr>
-                </a:solidFill>
-                <a:latin typeface="+mn-ea"/>
-              </a:rPr>
-              <a:t>?</a:t>
-            </a:r>
-          </a:p>
-          <a:p>
-            <a:r>
-              <a:rPr lang="en-US" altLang="ko-KR" sz="1600" dirty="0">
-                <a:solidFill>
-                  <a:schemeClr val="accent1">
-                    <a:lumMod val="75000"/>
-                  </a:schemeClr>
-                </a:solidFill>
-                <a:latin typeface="+mn-ea"/>
-              </a:rPr>
-              <a:t>Uniform noise signal : -1</a:t>
-            </a:r>
-            <a:r>
-              <a:rPr lang="ko-KR" altLang="en-US" sz="1600" dirty="0">
-                <a:solidFill>
-                  <a:schemeClr val="accent1">
-                    <a:lumMod val="75000"/>
-                  </a:schemeClr>
-                </a:solidFill>
-                <a:latin typeface="+mn-ea"/>
-              </a:rPr>
-              <a:t>과 </a:t>
-            </a:r>
-            <a:r>
-              <a:rPr lang="en-US" altLang="ko-KR" sz="1600" dirty="0">
-                <a:solidFill>
-                  <a:schemeClr val="accent1">
-                    <a:lumMod val="75000"/>
-                  </a:schemeClr>
-                </a:solidFill>
-                <a:latin typeface="+mn-ea"/>
-              </a:rPr>
-              <a:t>1</a:t>
-            </a:r>
-            <a:r>
-              <a:rPr lang="ko-KR" altLang="en-US" sz="1600" dirty="0">
-                <a:solidFill>
-                  <a:schemeClr val="accent1">
-                    <a:lumMod val="75000"/>
-                  </a:schemeClr>
-                </a:solidFill>
-                <a:latin typeface="+mn-ea"/>
-              </a:rPr>
-              <a:t>사이에서 모든 값이 동일한 가능성을 가지고 있다</a:t>
-            </a:r>
-            <a:endParaRPr lang="en-US" altLang="ko-KR" sz="1600" dirty="0">
-              <a:solidFill>
-                <a:schemeClr val="accent1">
-                  <a:lumMod val="75000"/>
-                </a:schemeClr>
-              </a:solidFill>
-              <a:latin typeface="+mn-ea"/>
-            </a:endParaRPr>
-          </a:p>
-          <a:p>
-            <a:r>
-              <a:rPr lang="en-US" altLang="ko-KR" sz="1600" dirty="0">
-                <a:solidFill>
-                  <a:schemeClr val="accent1">
-                    <a:lumMod val="75000"/>
-                  </a:schemeClr>
-                </a:solidFill>
-                <a:latin typeface="+mn-ea"/>
-              </a:rPr>
-              <a:t>Gaussian Noise : </a:t>
-            </a:r>
-            <a:r>
-              <a:rPr lang="ko-KR" altLang="en-US" sz="1600" dirty="0">
-                <a:solidFill>
-                  <a:schemeClr val="accent1">
-                    <a:lumMod val="75000"/>
-                  </a:schemeClr>
-                </a:solidFill>
-                <a:latin typeface="+mn-ea"/>
-              </a:rPr>
-              <a:t>정규분포를 가지는 노이즈</a:t>
-            </a:r>
-            <a:r>
-              <a:rPr lang="en-US" altLang="ko-KR" sz="1600" dirty="0">
-                <a:solidFill>
-                  <a:schemeClr val="accent1">
-                    <a:lumMod val="75000"/>
-                  </a:schemeClr>
-                </a:solidFill>
-                <a:latin typeface="+mn-ea"/>
-              </a:rPr>
-              <a:t>.</a:t>
-            </a:r>
-            <a:r>
-              <a:rPr lang="ko-KR" altLang="en-US" sz="1600" dirty="0">
-                <a:solidFill>
-                  <a:schemeClr val="accent1">
-                    <a:lumMod val="75000"/>
-                  </a:schemeClr>
-                </a:solidFill>
-                <a:latin typeface="+mn-ea"/>
-              </a:rPr>
-              <a:t> 어느정도 </a:t>
-            </a:r>
-            <a:r>
-              <a:rPr lang="ko-KR" altLang="en-US" sz="1600" dirty="0" err="1">
-                <a:solidFill>
-                  <a:schemeClr val="accent1">
-                    <a:lumMod val="75000"/>
-                  </a:schemeClr>
-                </a:solidFill>
-                <a:latin typeface="+mn-ea"/>
-              </a:rPr>
-              <a:t>랜덤하면서</a:t>
-            </a:r>
-            <a:r>
-              <a:rPr lang="ko-KR" altLang="en-US" sz="1600" dirty="0">
-                <a:solidFill>
-                  <a:schemeClr val="accent1">
-                    <a:lumMod val="75000"/>
-                  </a:schemeClr>
-                </a:solidFill>
-                <a:latin typeface="+mn-ea"/>
-              </a:rPr>
-              <a:t> 자연계에서 쉽게 볼 수 있는 분포</a:t>
-            </a:r>
-            <a:endParaRPr lang="en-US" altLang="ko-KR" sz="1600" dirty="0">
-              <a:solidFill>
-                <a:schemeClr val="accent1">
-                  <a:lumMod val="75000"/>
-                </a:schemeClr>
-              </a:solidFill>
-              <a:latin typeface="+mn-ea"/>
-            </a:endParaRPr>
-          </a:p>
-          <a:p>
-            <a:r>
-              <a:rPr lang="ko-KR" altLang="en-US" sz="1600" dirty="0">
-                <a:solidFill>
-                  <a:schemeClr val="accent1">
-                    <a:lumMod val="75000"/>
-                  </a:schemeClr>
-                </a:solidFill>
-                <a:latin typeface="+mn-ea"/>
-              </a:rPr>
-              <a:t>범위가 음의 무한부터 양의 무한까지 이지만 </a:t>
-            </a:r>
-            <a:r>
-              <a:rPr lang="en-US" altLang="ko-KR" sz="1600" dirty="0">
-                <a:solidFill>
-                  <a:schemeClr val="accent1">
-                    <a:lumMod val="75000"/>
-                  </a:schemeClr>
-                </a:solidFill>
-                <a:latin typeface="+mn-ea"/>
-              </a:rPr>
-              <a:t>0</a:t>
-            </a:r>
-            <a:r>
-              <a:rPr lang="ko-KR" altLang="en-US" sz="1600" dirty="0">
-                <a:solidFill>
-                  <a:schemeClr val="accent1">
-                    <a:lumMod val="75000"/>
-                  </a:schemeClr>
-                </a:solidFill>
-                <a:latin typeface="+mn-ea"/>
-              </a:rPr>
-              <a:t>에 가까운 값들은 </a:t>
-            </a:r>
-            <a:r>
-              <a:rPr lang="ko-KR" altLang="en-US" sz="1600" dirty="0" err="1">
-                <a:solidFill>
-                  <a:schemeClr val="accent1">
-                    <a:lumMod val="75000"/>
-                  </a:schemeClr>
-                </a:solidFill>
-                <a:latin typeface="+mn-ea"/>
-              </a:rPr>
-              <a:t>가우시안</a:t>
-            </a:r>
-            <a:r>
-              <a:rPr lang="ko-KR" altLang="en-US" sz="1600" dirty="0">
-                <a:solidFill>
-                  <a:schemeClr val="accent1">
-                    <a:lumMod val="75000"/>
-                  </a:schemeClr>
-                </a:solidFill>
-                <a:latin typeface="+mn-ea"/>
-              </a:rPr>
-              <a:t> 또는 </a:t>
-            </a:r>
-            <a:r>
-              <a:rPr lang="en-US" altLang="ko-KR" sz="1600" dirty="0">
-                <a:solidFill>
-                  <a:schemeClr val="accent1">
-                    <a:lumMod val="75000"/>
-                  </a:schemeClr>
-                </a:solidFill>
-                <a:latin typeface="+mn-ea"/>
-              </a:rPr>
-              <a:t>“bell”</a:t>
-            </a:r>
-            <a:r>
-              <a:rPr lang="ko-KR" altLang="en-US" sz="1600" dirty="0">
-                <a:solidFill>
-                  <a:schemeClr val="accent1">
-                    <a:lumMod val="75000"/>
-                  </a:schemeClr>
-                </a:solidFill>
-                <a:latin typeface="+mn-ea"/>
-              </a:rPr>
-              <a:t>곡선에 따라 떨어지는 가능성이 높다</a:t>
-            </a:r>
-            <a:r>
-              <a:rPr lang="en-US" altLang="ko-KR" sz="1600" dirty="0">
-                <a:solidFill>
-                  <a:schemeClr val="accent1">
-                    <a:lumMod val="75000"/>
-                  </a:schemeClr>
-                </a:solidFill>
-                <a:latin typeface="+mn-ea"/>
-              </a:rPr>
-              <a:t>.</a:t>
-            </a:r>
-          </a:p>
-        </p:txBody>
-      </p:sp>
-      <p:sp>
-        <p:nvSpPr>
-          <p:cNvPr id="17" name="TextBox 16">
-            <a:extLst>
-              <a:ext uri="{FF2B5EF4-FFF2-40B4-BE49-F238E27FC236}">
-                <a16:creationId xmlns:a16="http://schemas.microsoft.com/office/drawing/2014/main" id="{DAEC9108-C05D-E048-B8C1-9AB0DE935C92}"/>
-              </a:ext>
-            </a:extLst>
-          </p:cNvPr>
-          <p:cNvSpPr txBox="1"/>
-          <p:nvPr/>
-        </p:nvSpPr>
-        <p:spPr>
-          <a:xfrm>
-            <a:off x="2373927" y="3857190"/>
-            <a:ext cx="9453426" cy="1815882"/>
-          </a:xfrm>
-          <a:prstGeom prst="rect">
-            <a:avLst/>
-          </a:prstGeom>
-          <a:noFill/>
-        </p:spPr>
-        <p:txBody>
-          <a:bodyPr wrap="square" rtlCol="0">
-            <a:spAutoFit/>
-          </a:bodyPr>
-          <a:lstStyle/>
-          <a:p>
-            <a:r>
-              <a:rPr lang="en-US" altLang="ko-KR" sz="1600" dirty="0">
-                <a:solidFill>
-                  <a:schemeClr val="accent1">
-                    <a:lumMod val="75000"/>
-                  </a:schemeClr>
-                </a:solidFill>
-                <a:latin typeface="+mn-ea"/>
-              </a:rPr>
-              <a:t>Correlation:</a:t>
-            </a:r>
-            <a:r>
-              <a:rPr lang="ko-KR" altLang="en-US" sz="1600" dirty="0">
-                <a:solidFill>
-                  <a:schemeClr val="accent1">
-                    <a:lumMod val="75000"/>
-                  </a:schemeClr>
-                </a:solidFill>
-                <a:latin typeface="+mn-ea"/>
-              </a:rPr>
-              <a:t> 각 </a:t>
-            </a:r>
-            <a:r>
-              <a:rPr lang="en-US" altLang="ko-KR" sz="1600" dirty="0">
-                <a:solidFill>
-                  <a:schemeClr val="accent1">
-                    <a:lumMod val="75000"/>
-                  </a:schemeClr>
-                </a:solidFill>
-                <a:latin typeface="+mn-ea"/>
-              </a:rPr>
-              <a:t>value</a:t>
-            </a:r>
-            <a:r>
-              <a:rPr lang="ko-KR" altLang="en-US" sz="1600" dirty="0">
-                <a:solidFill>
-                  <a:schemeClr val="accent1">
-                    <a:lumMod val="75000"/>
-                  </a:schemeClr>
-                </a:solidFill>
-                <a:latin typeface="+mn-ea"/>
-              </a:rPr>
-              <a:t>의 값이 독립적인가 의존적인가</a:t>
-            </a:r>
-            <a:r>
-              <a:rPr lang="en-US" altLang="ko-KR" sz="1600" dirty="0">
-                <a:solidFill>
-                  <a:schemeClr val="accent1">
-                    <a:lumMod val="75000"/>
-                  </a:schemeClr>
-                </a:solidFill>
-                <a:latin typeface="+mn-ea"/>
-              </a:rPr>
-              <a:t>?</a:t>
-            </a:r>
-          </a:p>
-          <a:p>
-            <a:r>
-              <a:rPr lang="en-US" altLang="ko-KR" sz="1600" dirty="0">
-                <a:solidFill>
-                  <a:schemeClr val="accent1">
-                    <a:lumMod val="75000"/>
-                  </a:schemeClr>
-                </a:solidFill>
-                <a:latin typeface="+mn-ea"/>
-              </a:rPr>
-              <a:t>UU noise: </a:t>
-            </a:r>
-            <a:r>
-              <a:rPr lang="ko-KR" altLang="en-US" sz="1600" dirty="0">
-                <a:solidFill>
-                  <a:schemeClr val="accent1">
-                    <a:lumMod val="75000"/>
-                  </a:schemeClr>
-                </a:solidFill>
-                <a:latin typeface="+mn-ea"/>
-              </a:rPr>
-              <a:t>각각의 값들은 독립적이다</a:t>
-            </a:r>
-            <a:endParaRPr lang="en-US" altLang="ko-KR" sz="1600" dirty="0">
-              <a:solidFill>
-                <a:schemeClr val="accent1">
-                  <a:lumMod val="75000"/>
-                </a:schemeClr>
-              </a:solidFill>
-              <a:latin typeface="+mn-ea"/>
-            </a:endParaRPr>
-          </a:p>
-          <a:p>
-            <a:r>
-              <a:rPr lang="en-US" altLang="ko-KR" sz="1600" dirty="0">
-                <a:solidFill>
-                  <a:schemeClr val="accent1">
-                    <a:lumMod val="75000"/>
-                  </a:schemeClr>
-                </a:solidFill>
-                <a:latin typeface="+mn-ea"/>
-              </a:rPr>
-              <a:t>Brownian noise: </a:t>
-            </a:r>
-            <a:r>
-              <a:rPr lang="ko-KR" altLang="en-US" sz="1600" dirty="0">
-                <a:solidFill>
-                  <a:schemeClr val="accent1">
-                    <a:lumMod val="75000"/>
-                  </a:schemeClr>
-                </a:solidFill>
-                <a:latin typeface="+mn-ea"/>
-              </a:rPr>
-              <a:t>각각의 값들은 이전 값과 </a:t>
-            </a:r>
-            <a:r>
-              <a:rPr lang="en-US" altLang="ko-KR" sz="1600" dirty="0">
-                <a:solidFill>
-                  <a:schemeClr val="accent1">
-                    <a:lumMod val="75000"/>
-                  </a:schemeClr>
-                </a:solidFill>
-                <a:latin typeface="+mn-ea"/>
-              </a:rPr>
-              <a:t>random ”step”</a:t>
-            </a:r>
-            <a:r>
-              <a:rPr lang="ko-KR" altLang="en-US" sz="1600" dirty="0">
-                <a:solidFill>
-                  <a:schemeClr val="accent1">
-                    <a:lumMod val="75000"/>
-                  </a:schemeClr>
-                </a:solidFill>
-                <a:latin typeface="+mn-ea"/>
-              </a:rPr>
-              <a:t>의 합이다</a:t>
-            </a:r>
-            <a:r>
-              <a:rPr lang="en-US" altLang="ko-KR" sz="1600" dirty="0">
-                <a:solidFill>
-                  <a:schemeClr val="accent1">
-                    <a:lumMod val="75000"/>
-                  </a:schemeClr>
-                </a:solidFill>
-                <a:latin typeface="+mn-ea"/>
-              </a:rPr>
-              <a:t>.</a:t>
-            </a:r>
-          </a:p>
-          <a:p>
-            <a:r>
-              <a:rPr lang="ko-KR" altLang="en-US" sz="1600" dirty="0">
-                <a:solidFill>
-                  <a:schemeClr val="accent1">
-                    <a:lumMod val="75000"/>
-                  </a:schemeClr>
-                </a:solidFill>
-                <a:latin typeface="+mn-ea"/>
-              </a:rPr>
-              <a:t>이전의 값이 특별히 높거나 낮으면 그 곳에 유지할 확률이 높다</a:t>
-            </a:r>
-            <a:r>
-              <a:rPr lang="en-US" altLang="ko-KR" sz="1600" dirty="0">
-                <a:solidFill>
-                  <a:schemeClr val="accent1">
-                    <a:lumMod val="75000"/>
-                  </a:schemeClr>
-                </a:solidFill>
-                <a:latin typeface="+mn-ea"/>
-              </a:rPr>
-              <a:t>.</a:t>
-            </a:r>
-          </a:p>
-          <a:p>
-            <a:endParaRPr lang="en-US" altLang="ko-KR" sz="1600" dirty="0">
-              <a:solidFill>
-                <a:schemeClr val="accent1">
-                  <a:lumMod val="75000"/>
-                </a:schemeClr>
-              </a:solidFill>
-              <a:latin typeface="+mn-ea"/>
-            </a:endParaRPr>
-          </a:p>
-          <a:p>
-            <a:endParaRPr lang="en-US" altLang="ko-KR" sz="1600" dirty="0">
-              <a:solidFill>
-                <a:schemeClr val="accent1">
-                  <a:lumMod val="75000"/>
-                </a:schemeClr>
-              </a:solidFill>
-              <a:latin typeface="+mn-ea"/>
-            </a:endParaRPr>
-          </a:p>
-          <a:p>
-            <a:endParaRPr lang="en-US" altLang="ko-KR" sz="1600" dirty="0">
-              <a:solidFill>
-                <a:schemeClr val="accent1">
-                  <a:lumMod val="75000"/>
-                </a:schemeClr>
-              </a:solidFill>
-              <a:latin typeface="+mn-ea"/>
-            </a:endParaRPr>
-          </a:p>
-        </p:txBody>
-      </p:sp>
-    </p:spTree>
-    <p:extLst>
-      <p:ext uri="{BB962C8B-B14F-4D97-AF65-F5344CB8AC3E}">
-        <p14:creationId xmlns:p14="http://schemas.microsoft.com/office/powerpoint/2010/main" val="2644617262"/>
-      </p:ext>
-    </p:extLst>
-  </p:cSld>
-  <p:clrMapOvr>
-    <a:masterClrMapping/>
-  </p:clrMapOvr>
-</p:sld>
-</file>
-
-<file path=ppt/slides/slide11.xml><?xml version="1.0" encoding="utf-8"?>
 <p:sld xmlns:a="http://schemas.openxmlformats.org/drawingml/2006/main" xmlns:r="http://schemas.openxmlformats.org/officeDocument/2006/relationships" xmlns:p="http://schemas.openxmlformats.org/presentationml/2006/main">
   <p:cSld>
     <p:spTree>
@@ -8397,8 +6986,8 @@
           </a:p>
         </p:txBody>
       </p:sp>
-      <mc:AlternateContent xmlns:mc="http://schemas.openxmlformats.org/markup-compatibility/2006">
-        <mc:Choice xmlns:a14="http://schemas.microsoft.com/office/drawing/2010/main" Requires="a14">
+      <mc:AlternateContent xmlns:mc="http://schemas.openxmlformats.org/markup-compatibility/2006" xmlns:a14="http://schemas.microsoft.com/office/drawing/2010/main">
+        <mc:Choice Requires="a14">
           <p:sp>
             <p:nvSpPr>
               <p:cNvPr id="10" name="TextBox 9">
@@ -8830,7 +7419,7 @@
             </p:txBody>
           </p:sp>
         </mc:Choice>
-        <mc:Fallback>
+        <mc:Fallback xmlns="">
           <p:sp>
             <p:nvSpPr>
               <p:cNvPr id="10" name="TextBox 9">
@@ -11517,8 +10106,8 @@
           </a:prstGeom>
         </p:spPr>
       </p:pic>
-      <mc:AlternateContent xmlns:mc="http://schemas.openxmlformats.org/markup-compatibility/2006">
-        <mc:Choice xmlns:a14="http://schemas.microsoft.com/office/drawing/2010/main" Requires="a14">
+      <mc:AlternateContent xmlns:mc="http://schemas.openxmlformats.org/markup-compatibility/2006" xmlns:a14="http://schemas.microsoft.com/office/drawing/2010/main">
+        <mc:Choice Requires="a14">
           <p:sp>
             <p:nvSpPr>
               <p:cNvPr id="15" name="TextBox 14">
@@ -11950,7 +10539,7 @@
             </p:txBody>
           </p:sp>
         </mc:Choice>
-        <mc:Fallback>
+        <mc:Fallback xmlns="">
           <p:sp>
             <p:nvSpPr>
               <p:cNvPr id="15" name="TextBox 14">
@@ -13580,8 +12169,8 @@
           </a:p>
         </p:txBody>
       </p:sp>
-      <mc:AlternateContent xmlns:mc="http://schemas.openxmlformats.org/markup-compatibility/2006">
-        <mc:Choice xmlns:a14="http://schemas.microsoft.com/office/drawing/2010/main" Requires="a14">
+      <mc:AlternateContent xmlns:mc="http://schemas.openxmlformats.org/markup-compatibility/2006" xmlns:a14="http://schemas.microsoft.com/office/drawing/2010/main">
+        <mc:Choice Requires="a14">
           <p:sp>
             <p:nvSpPr>
               <p:cNvPr id="10" name="TextBox 9">
@@ -13734,7 +12323,7 @@
             </p:txBody>
           </p:sp>
         </mc:Choice>
-        <mc:Fallback>
+        <mc:Fallback xmlns="">
           <p:sp>
             <p:nvSpPr>
               <p:cNvPr id="10" name="TextBox 9">
